--- a/Aprensentação 2.pptx
+++ b/Aprensentação 2.pptx
@@ -8,8 +8,9 @@
   <p:sldIdLst>
     <p:sldId id="256" r:id="rId3"/>
     <p:sldId id="263" r:id="rId4"/>
-    <p:sldId id="262" r:id="rId5"/>
-    <p:sldId id="261" r:id="rId6"/>
+    <p:sldId id="264" r:id="rId5"/>
+    <p:sldId id="262" r:id="rId6"/>
+    <p:sldId id="261" r:id="rId7"/>
   </p:sldIdLst>
   <p:sldSz cx="9144000" cy="6858000" type="screen4x3"/>
   <p:notesSz cx="6858000" cy="9144000"/>
@@ -476,7 +477,7 @@
                 </a:solidFill>
                 <a:ea typeface="SimSun" panose="02010600030101010101" pitchFamily="2" charset="-122"/>
               </a:rPr>
-              <a:t>‹#›</a:t>
+              <a:t>‹nº›</a:t>
             </a:fld>
             <a:endParaRPr lang="en-US" altLang="zh-CN" sz="1200" dirty="0">
               <a:solidFill>
@@ -706,7 +707,7 @@
                 </a:solidFill>
                 <a:ea typeface="SimSun" panose="02010600030101010101" pitchFamily="2" charset="-122"/>
               </a:rPr>
-              <a:t>‹#›</a:t>
+              <a:t>‹nº›</a:t>
             </a:fld>
             <a:endParaRPr lang="en-US" altLang="zh-CN" sz="1200" dirty="0">
               <a:solidFill>
@@ -946,7 +947,7 @@
                 </a:solidFill>
                 <a:ea typeface="SimSun" panose="02010600030101010101" pitchFamily="2" charset="-122"/>
               </a:rPr>
-              <a:t>‹#›</a:t>
+              <a:t>‹nº›</a:t>
             </a:fld>
             <a:endParaRPr lang="en-US" altLang="zh-CN" sz="1200" dirty="0">
               <a:solidFill>
@@ -2350,7 +2351,7 @@
                 </a:solidFill>
                 <a:ea typeface="SimSun" panose="02010600030101010101" pitchFamily="2" charset="-122"/>
               </a:rPr>
-              <a:t>‹#›</a:t>
+              <a:t>‹nº›</a:t>
             </a:fld>
             <a:endParaRPr lang="en-US" altLang="zh-CN" sz="1200" dirty="0">
               <a:solidFill>
@@ -3060,7 +3061,7 @@
                 </a:solidFill>
                 <a:ea typeface="SimSun" panose="02010600030101010101" pitchFamily="2" charset="-122"/>
               </a:rPr>
-              <a:t>‹#›</a:t>
+              <a:t>‹nº›</a:t>
             </a:fld>
             <a:endParaRPr lang="en-US" altLang="zh-CN" sz="1200" dirty="0">
               <a:solidFill>
@@ -3408,7 +3409,7 @@
                 </a:solidFill>
                 <a:ea typeface="SimSun" panose="02010600030101010101" pitchFamily="2" charset="-122"/>
               </a:rPr>
-              <a:t>‹#›</a:t>
+              <a:t>‹nº›</a:t>
             </a:fld>
             <a:endParaRPr lang="en-US" altLang="zh-CN" sz="1200" dirty="0">
               <a:solidFill>
@@ -3890,7 +3891,7 @@
                 </a:solidFill>
                 <a:ea typeface="SimSun" panose="02010600030101010101" pitchFamily="2" charset="-122"/>
               </a:rPr>
-              <a:t>‹#›</a:t>
+              <a:t>‹nº›</a:t>
             </a:fld>
             <a:endParaRPr lang="en-US" altLang="zh-CN" sz="1200" dirty="0">
               <a:solidFill>
@@ -4068,7 +4069,7 @@
                 </a:solidFill>
                 <a:ea typeface="SimSun" panose="02010600030101010101" pitchFamily="2" charset="-122"/>
               </a:rPr>
-              <a:t>‹#›</a:t>
+              <a:t>‹nº›</a:t>
             </a:fld>
             <a:endParaRPr lang="en-US" altLang="zh-CN" sz="1200" dirty="0">
               <a:solidFill>
@@ -4223,7 +4224,7 @@
                 </a:solidFill>
                 <a:ea typeface="SimSun" panose="02010600030101010101" pitchFamily="2" charset="-122"/>
               </a:rPr>
-              <a:t>‹#›</a:t>
+              <a:t>‹nº›</a:t>
             </a:fld>
             <a:endParaRPr lang="en-US" altLang="zh-CN" sz="1200" dirty="0">
               <a:solidFill>
@@ -4560,7 +4561,7 @@
                 </a:solidFill>
                 <a:ea typeface="SimSun" panose="02010600030101010101" pitchFamily="2" charset="-122"/>
               </a:rPr>
-              <a:t>‹#›</a:t>
+              <a:t>‹nº›</a:t>
             </a:fld>
             <a:endParaRPr lang="en-US" altLang="zh-CN" sz="1200" dirty="0">
               <a:solidFill>
@@ -4921,7 +4922,7 @@
                 </a:solidFill>
                 <a:ea typeface="SimSun" panose="02010600030101010101" pitchFamily="2" charset="-122"/>
               </a:rPr>
-              <a:t>‹#›</a:t>
+              <a:t>‹nº›</a:t>
             </a:fld>
             <a:endParaRPr lang="en-US" altLang="zh-CN" sz="1200" dirty="0">
               <a:solidFill>
@@ -5223,7 +5224,7 @@
                 </a:solidFill>
                 <a:ea typeface="SimSun" panose="02010600030101010101" pitchFamily="2" charset="-122"/>
               </a:rPr>
-              <a:t>‹#›</a:t>
+              <a:t>‹nº›</a:t>
             </a:fld>
             <a:endParaRPr lang="en-US" altLang="zh-CN" sz="1200" dirty="0">
               <a:solidFill>
@@ -6826,6 +6827,183 @@
       </p:grpSpPr>
       <p:pic>
         <p:nvPicPr>
+          <p:cNvPr id="1026" name="Picture 2" descr="https://scontent.fbfh1-2.fna.fbcdn.net/v/t34.0-12/19755940_664149567116972_2122273042_n.png?oh=339f3f90346f5fe18e14478f370ed465&amp;oe=595F6B18"/>
+          <p:cNvPicPr>
+            <a:picLocks noChangeAspect="1" noChangeArrowheads="1"/>
+          </p:cNvPicPr>
+          <p:nvPr/>
+        </p:nvPicPr>
+        <p:blipFill>
+          <a:blip r:embed="rId2">
+            <a:extLst>
+              <a:ext uri="{28A0092B-C50C-407E-A947-70E740481C1C}">
+                <a14:useLocalDpi xmlns:a14="http://schemas.microsoft.com/office/drawing/2010/main" val="0"/>
+              </a:ext>
+            </a:extLst>
+          </a:blip>
+          <a:srcRect/>
+          <a:stretch>
+            <a:fillRect/>
+          </a:stretch>
+        </p:blipFill>
+        <p:spPr bwMode="auto">
+          <a:xfrm>
+            <a:off x="2286000" y="1676400"/>
+            <a:ext cx="4495800" cy="4495801"/>
+          </a:xfrm>
+          <a:prstGeom prst="rect">
+            <a:avLst/>
+          </a:prstGeom>
+          <a:noFill/>
+          <a:extLst>
+            <a:ext uri="{909E8E84-426E-40DD-AFC4-6F175D3DCCD1}">
+              <a14:hiddenFill xmlns:a14="http://schemas.microsoft.com/office/drawing/2010/main">
+                <a:solidFill>
+                  <a:srgbClr val="FFFFFF"/>
+                </a:solidFill>
+              </a14:hiddenFill>
+            </a:ext>
+          </a:extLst>
+        </p:spPr>
+      </p:pic>
+      <p:pic>
+        <p:nvPicPr>
+          <p:cNvPr id="1028" name="Picture 4" descr="http://orig09.deviantart.net/082c/f/2012/157/3/1/sakura_kinomoto_png_by_neko_nekochii-d52kjkk.png"/>
+          <p:cNvPicPr>
+            <a:picLocks noChangeAspect="1" noChangeArrowheads="1"/>
+          </p:cNvPicPr>
+          <p:nvPr/>
+        </p:nvPicPr>
+        <p:blipFill rotWithShape="1">
+          <a:blip r:embed="rId3">
+            <a:extLst>
+              <a:ext uri="{BEBA8EAE-BF5A-486C-A8C5-ECC9F3942E4B}">
+                <a14:imgProps xmlns:a14="http://schemas.microsoft.com/office/drawing/2010/main">
+                  <a14:imgLayer r:embed="rId4">
+                    <a14:imgEffect>
+                      <a14:sharpenSoften amount="-100000"/>
+                    </a14:imgEffect>
+                    <a14:imgEffect>
+                      <a14:brightnessContrast bright="-100000"/>
+                    </a14:imgEffect>
+                  </a14:imgLayer>
+                </a14:imgProps>
+              </a:ext>
+              <a:ext uri="{28A0092B-C50C-407E-A947-70E740481C1C}">
+                <a14:useLocalDpi xmlns:a14="http://schemas.microsoft.com/office/drawing/2010/main" val="0"/>
+              </a:ext>
+            </a:extLst>
+          </a:blip>
+          <a:srcRect r="41000" b="2500"/>
+          <a:stretch/>
+        </p:blipFill>
+        <p:spPr bwMode="auto">
+          <a:xfrm>
+            <a:off x="4533901" y="2971801"/>
+            <a:ext cx="2247900" cy="2971800"/>
+          </a:xfrm>
+          <a:prstGeom prst="rect">
+            <a:avLst/>
+          </a:prstGeom>
+          <a:noFill/>
+          <a:extLst>
+            <a:ext uri="{909E8E84-426E-40DD-AFC4-6F175D3DCCD1}">
+              <a14:hiddenFill xmlns:a14="http://schemas.microsoft.com/office/drawing/2010/main">
+                <a:solidFill>
+                  <a:srgbClr val="FFFFFF"/>
+                </a:solidFill>
+              </a14:hiddenFill>
+            </a:ext>
+          </a:extLst>
+        </p:spPr>
+      </p:pic>
+      <p:sp>
+        <p:nvSpPr>
+          <p:cNvPr id="4" name="Retângulo 3"/>
+          <p:cNvSpPr/>
+          <p:nvPr/>
+        </p:nvSpPr>
+        <p:spPr>
+          <a:xfrm>
+            <a:off x="6023900" y="3924300"/>
+            <a:ext cx="505267" cy="923330"/>
+          </a:xfrm>
+          <a:prstGeom prst="rect">
+            <a:avLst/>
+          </a:prstGeom>
+          <a:noFill/>
+        </p:spPr>
+        <p:txBody>
+          <a:bodyPr wrap="none" lIns="91440" tIns="45720" rIns="91440" bIns="45720">
+            <a:spAutoFit/>
+          </a:bodyPr>
+          <a:lstStyle/>
+          <a:p>
+            <a:pPr algn="ctr"/>
+            <a:r>
+              <a:rPr lang="pt-BR" sz="5400" b="0" cap="none" spc="0" dirty="0" smtClean="0">
+                <a:ln w="0"/>
+                <a:solidFill>
+                  <a:schemeClr val="tx1"/>
+                </a:solidFill>
+                <a:effectLst>
+                  <a:outerShdw blurRad="38100" dist="19050" dir="2700000" algn="tl" rotWithShape="0">
+                    <a:schemeClr val="dk1">
+                      <a:alpha val="40000"/>
+                    </a:schemeClr>
+                  </a:outerShdw>
+                </a:effectLst>
+              </a:rPr>
+              <a:t>?</a:t>
+            </a:r>
+            <a:endParaRPr lang="pt-BR" sz="5400" b="0" cap="none" spc="0" dirty="0">
+              <a:ln w="0"/>
+              <a:solidFill>
+                <a:schemeClr val="tx1"/>
+              </a:solidFill>
+              <a:effectLst>
+                <a:outerShdw blurRad="38100" dist="19050" dir="2700000" algn="tl" rotWithShape="0">
+                  <a:schemeClr val="dk1">
+                    <a:alpha val="40000"/>
+                  </a:schemeClr>
+                </a:outerShdw>
+              </a:effectLst>
+            </a:endParaRPr>
+          </a:p>
+        </p:txBody>
+      </p:sp>
+    </p:spTree>
+    <p:extLst>
+      <p:ext uri="{BB962C8B-B14F-4D97-AF65-F5344CB8AC3E}">
+        <p14:creationId xmlns:p14="http://schemas.microsoft.com/office/powerpoint/2010/main" val="3838617826"/>
+      </p:ext>
+    </p:extLst>
+  </p:cSld>
+  <p:clrMapOvr>
+    <a:masterClrMapping/>
+  </p:clrMapOvr>
+</p:sld>
+</file>
+
+<file path=ppt/slides/slide4.xml><?xml version="1.0" encoding="utf-8"?>
+<p:sld xmlns:a="http://schemas.openxmlformats.org/drawingml/2006/main" xmlns:r="http://schemas.openxmlformats.org/officeDocument/2006/relationships" xmlns:p="http://schemas.openxmlformats.org/presentationml/2006/main">
+  <p:cSld>
+    <p:spTree>
+      <p:nvGrpSpPr>
+        <p:cNvPr id="1" name=""/>
+        <p:cNvGrpSpPr/>
+        <p:nvPr/>
+      </p:nvGrpSpPr>
+      <p:grpSpPr>
+        <a:xfrm>
+          <a:off x="0" y="0"/>
+          <a:ext cx="0" cy="0"/>
+          <a:chOff x="0" y="0"/>
+          <a:chExt cx="0" cy="0"/>
+        </a:xfrm>
+      </p:grpSpPr>
+      <p:pic>
+        <p:nvPicPr>
           <p:cNvPr id="4" name="Rec 001">
             <a:hlinkClick r:id="" action="ppaction://media"/>
           </p:cNvPr>
@@ -7135,7 +7313,7 @@
 </p:sld>
 </file>
 
-<file path=ppt/slides/slide4.xml><?xml version="1.0" encoding="utf-8"?>
+<file path=ppt/slides/slide5.xml><?xml version="1.0" encoding="utf-8"?>
 <p:sld xmlns:a="http://schemas.openxmlformats.org/drawingml/2006/main" xmlns:r="http://schemas.openxmlformats.org/officeDocument/2006/relationships" xmlns:p="http://schemas.openxmlformats.org/presentationml/2006/main">
   <p:cSld>
     <p:spTree>
@@ -7254,11 +7432,7 @@
           <a:p>
             <a:r>
               <a:rPr lang="pt-BR" sz="2400" dirty="0" smtClean="0"/>
-              <a:t>Primeira apresentação de </a:t>
-            </a:r>
-            <a:r>
-              <a:rPr lang="pt-BR" sz="2400" dirty="0" smtClean="0"/>
-              <a:t>andamento</a:t>
+              <a:t>Primeira apresentação de andamento</a:t>
             </a:r>
           </a:p>
           <a:p>
